--- a/GSLH_example.pptx
+++ b/GSLH_example.pptx
@@ -6,6 +6,7 @@
   </p:sldMasterIdLst>
   <p:sldIdLst>
     <p:sldId id="256" r:id="rId2"/>
+    <p:sldId id="257" r:id="rId3"/>
   </p:sldIdLst>
   <p:sldSz cx="12192000" cy="6858000"/>
   <p:notesSz cx="6858000" cy="9144000"/>
@@ -104,6 +105,11 @@
       </a:defRPr>
     </a:lvl9pPr>
   </p:defaultTextStyle>
+  <p:extLst>
+    <p:ext uri="{EFAFB233-063F-42B5-8137-9DF3F51BA10A}">
+      <p15:sldGuideLst xmlns:p15="http://schemas.microsoft.com/office/powerpoint/2012/main"/>
+    </p:ext>
+  </p:extLst>
 </p:presentation>
 </file>
 
@@ -256,7 +262,7 @@
           <a:p>
             <a:fld id="{BB479465-560D-4464-A61A-D9BFFF3FC12A}" type="datetimeFigureOut">
               <a:rPr lang="en-NL" smtClean="0"/>
-              <a:t>03/03/2023</a:t>
+              <a:t>31/03/2023</a:t>
             </a:fld>
             <a:endParaRPr lang="en-NL"/>
           </a:p>
@@ -456,7 +462,7 @@
           <a:p>
             <a:fld id="{BB479465-560D-4464-A61A-D9BFFF3FC12A}" type="datetimeFigureOut">
               <a:rPr lang="en-NL" smtClean="0"/>
-              <a:t>03/03/2023</a:t>
+              <a:t>31/03/2023</a:t>
             </a:fld>
             <a:endParaRPr lang="en-NL"/>
           </a:p>
@@ -666,7 +672,7 @@
           <a:p>
             <a:fld id="{BB479465-560D-4464-A61A-D9BFFF3FC12A}" type="datetimeFigureOut">
               <a:rPr lang="en-NL" smtClean="0"/>
-              <a:t>03/03/2023</a:t>
+              <a:t>31/03/2023</a:t>
             </a:fld>
             <a:endParaRPr lang="en-NL"/>
           </a:p>
@@ -866,7 +872,7 @@
           <a:p>
             <a:fld id="{BB479465-560D-4464-A61A-D9BFFF3FC12A}" type="datetimeFigureOut">
               <a:rPr lang="en-NL" smtClean="0"/>
-              <a:t>03/03/2023</a:t>
+              <a:t>31/03/2023</a:t>
             </a:fld>
             <a:endParaRPr lang="en-NL"/>
           </a:p>
@@ -1142,7 +1148,7 @@
           <a:p>
             <a:fld id="{BB479465-560D-4464-A61A-D9BFFF3FC12A}" type="datetimeFigureOut">
               <a:rPr lang="en-NL" smtClean="0"/>
-              <a:t>03/03/2023</a:t>
+              <a:t>31/03/2023</a:t>
             </a:fld>
             <a:endParaRPr lang="en-NL"/>
           </a:p>
@@ -1410,7 +1416,7 @@
           <a:p>
             <a:fld id="{BB479465-560D-4464-A61A-D9BFFF3FC12A}" type="datetimeFigureOut">
               <a:rPr lang="en-NL" smtClean="0"/>
-              <a:t>03/03/2023</a:t>
+              <a:t>31/03/2023</a:t>
             </a:fld>
             <a:endParaRPr lang="en-NL"/>
           </a:p>
@@ -1825,7 +1831,7 @@
           <a:p>
             <a:fld id="{BB479465-560D-4464-A61A-D9BFFF3FC12A}" type="datetimeFigureOut">
               <a:rPr lang="en-NL" smtClean="0"/>
-              <a:t>03/03/2023</a:t>
+              <a:t>31/03/2023</a:t>
             </a:fld>
             <a:endParaRPr lang="en-NL"/>
           </a:p>
@@ -1967,7 +1973,7 @@
           <a:p>
             <a:fld id="{BB479465-560D-4464-A61A-D9BFFF3FC12A}" type="datetimeFigureOut">
               <a:rPr lang="en-NL" smtClean="0"/>
-              <a:t>03/03/2023</a:t>
+              <a:t>31/03/2023</a:t>
             </a:fld>
             <a:endParaRPr lang="en-NL"/>
           </a:p>
@@ -2080,7 +2086,7 @@
           <a:p>
             <a:fld id="{BB479465-560D-4464-A61A-D9BFFF3FC12A}" type="datetimeFigureOut">
               <a:rPr lang="en-NL" smtClean="0"/>
-              <a:t>03/03/2023</a:t>
+              <a:t>31/03/2023</a:t>
             </a:fld>
             <a:endParaRPr lang="en-NL"/>
           </a:p>
@@ -2393,7 +2399,7 @@
           <a:p>
             <a:fld id="{BB479465-560D-4464-A61A-D9BFFF3FC12A}" type="datetimeFigureOut">
               <a:rPr lang="en-NL" smtClean="0"/>
-              <a:t>03/03/2023</a:t>
+              <a:t>31/03/2023</a:t>
             </a:fld>
             <a:endParaRPr lang="en-NL"/>
           </a:p>
@@ -2682,7 +2688,7 @@
           <a:p>
             <a:fld id="{BB479465-560D-4464-A61A-D9BFFF3FC12A}" type="datetimeFigureOut">
               <a:rPr lang="en-NL" smtClean="0"/>
-              <a:t>03/03/2023</a:t>
+              <a:t>31/03/2023</a:t>
             </a:fld>
             <a:endParaRPr lang="en-NL"/>
           </a:p>
@@ -2925,7 +2931,7 @@
           <a:p>
             <a:fld id="{BB479465-560D-4464-A61A-D9BFFF3FC12A}" type="datetimeFigureOut">
               <a:rPr lang="en-NL" smtClean="0"/>
-              <a:t>03/03/2023</a:t>
+              <a:t>31/03/2023</a:t>
             </a:fld>
             <a:endParaRPr lang="en-NL"/>
           </a:p>
@@ -3363,8 +3369,8 @@
         </p:blipFill>
         <p:spPr>
           <a:xfrm>
-            <a:off x="81080" y="2759514"/>
-            <a:ext cx="6941994" cy="3845110"/>
+            <a:off x="630559" y="3030188"/>
+            <a:ext cx="5763721" cy="3192475"/>
           </a:xfrm>
           <a:prstGeom prst="rect">
             <a:avLst/>
@@ -3392,8 +3398,8 @@
         </p:blipFill>
         <p:spPr>
           <a:xfrm>
-            <a:off x="7457840" y="2759514"/>
-            <a:ext cx="4612540" cy="3600167"/>
+            <a:off x="7191789" y="2921130"/>
+            <a:ext cx="4369652" cy="3410589"/>
           </a:xfrm>
           <a:prstGeom prst="rect">
             <a:avLst/>
@@ -3423,14 +3429,20 @@
           </a:xfrm>
         </p:spPr>
         <p:txBody>
-          <a:bodyPr/>
-          <a:lstStyle/>
-          <a:p>
-            <a:r>
-              <a:rPr lang="en-US" dirty="0"/>
+          <a:bodyPr>
+            <a:normAutofit/>
+          </a:bodyPr>
+          <a:lstStyle/>
+          <a:p>
+            <a:r>
+              <a:rPr lang="en-US" sz="4000" dirty="0">
+                <a:latin typeface="Finador black"/>
+              </a:rPr>
               <a:t>Raw Data</a:t>
             </a:r>
-            <a:endParaRPr lang="en-NL" dirty="0"/>
+            <a:endParaRPr lang="en-NL" sz="4000" dirty="0">
+              <a:latin typeface="Finador black"/>
+            </a:endParaRPr>
           </a:p>
         </p:txBody>
       </p:sp>
@@ -3463,10 +3475,14 @@
           <a:lstStyle/>
           <a:p>
             <a:r>
-              <a:rPr lang="en-US" dirty="0"/>
+              <a:rPr lang="en-US" dirty="0">
+                <a:latin typeface="Finador black"/>
+              </a:rPr>
               <a:t>Data from the Google Semantic Location History (GSLH) package</a:t>
             </a:r>
-            <a:endParaRPr lang="en-NL" dirty="0"/>
+            <a:endParaRPr lang="en-NL" dirty="0">
+              <a:latin typeface="Finador black"/>
+            </a:endParaRPr>
           </a:p>
         </p:txBody>
       </p:sp>
@@ -3499,10 +3515,14 @@
           <a:lstStyle/>
           <a:p>
             <a:r>
-              <a:rPr lang="en-US" dirty="0"/>
+              <a:rPr lang="en-US" dirty="0">
+                <a:latin typeface="Finador black"/>
+              </a:rPr>
               <a:t>Processed to extract the distance travelled and duration per activity </a:t>
             </a:r>
-            <a:endParaRPr lang="en-NL" dirty="0"/>
+            <a:endParaRPr lang="en-NL" dirty="0">
+              <a:latin typeface="Finador black"/>
+            </a:endParaRPr>
           </a:p>
         </p:txBody>
       </p:sp>
@@ -3554,10 +3574,14 @@
           </a:lstStyle>
           <a:p>
             <a:r>
-              <a:rPr lang="en-US" dirty="0"/>
+              <a:rPr lang="en-US" sz="4000" dirty="0">
+                <a:latin typeface="Finador black"/>
+              </a:rPr>
               <a:t>Aggregated Data</a:t>
             </a:r>
-            <a:endParaRPr lang="en-NL" dirty="0"/>
+            <a:endParaRPr lang="en-NL" sz="4000" dirty="0">
+              <a:latin typeface="Finador black"/>
+            </a:endParaRPr>
           </a:p>
         </p:txBody>
       </p:sp>
@@ -3565,6 +3589,736 @@
     <p:extLst>
       <p:ext uri="{BB962C8B-B14F-4D97-AF65-F5344CB8AC3E}">
         <p14:creationId xmlns:p14="http://schemas.microsoft.com/office/powerpoint/2010/main" val="3554395814"/>
+      </p:ext>
+    </p:extLst>
+  </p:cSld>
+  <p:clrMapOvr>
+    <a:masterClrMapping/>
+  </p:clrMapOvr>
+</p:sld>
+</file>
+
+<file path=ppt/slides/slide2.xml><?xml version="1.0" encoding="utf-8"?>
+<p:sld xmlns:a="http://schemas.openxmlformats.org/drawingml/2006/main" xmlns:r="http://schemas.openxmlformats.org/officeDocument/2006/relationships" xmlns:p="http://schemas.openxmlformats.org/presentationml/2006/main">
+  <p:cSld>
+    <p:spTree>
+      <p:nvGrpSpPr>
+        <p:cNvPr id="1" name=""/>
+        <p:cNvGrpSpPr/>
+        <p:nvPr/>
+      </p:nvGrpSpPr>
+      <p:grpSpPr>
+        <a:xfrm>
+          <a:off x="0" y="0"/>
+          <a:ext cx="0" cy="0"/>
+          <a:chOff x="0" y="0"/>
+          <a:chExt cx="0" cy="0"/>
+        </a:xfrm>
+      </p:grpSpPr>
+      <p:pic>
+        <p:nvPicPr>
+          <p:cNvPr id="20" name="Content Placeholder 19">
+            <a:extLst>
+              <a:ext uri="{FF2B5EF4-FFF2-40B4-BE49-F238E27FC236}">
+                <a16:creationId xmlns:a16="http://schemas.microsoft.com/office/drawing/2014/main" id="{B9146F19-5BA8-25CB-0CC4-5E05451AFEB3}"/>
+              </a:ext>
+            </a:extLst>
+          </p:cNvPr>
+          <p:cNvPicPr>
+            <a:picLocks noGrp="1" noChangeAspect="1"/>
+          </p:cNvPicPr>
+          <p:nvPr>
+            <p:ph sz="half" idx="2"/>
+          </p:nvPr>
+        </p:nvPicPr>
+        <p:blipFill>
+          <a:blip r:embed="rId2"/>
+          <a:stretch>
+            <a:fillRect/>
+          </a:stretch>
+        </p:blipFill>
+        <p:spPr>
+          <a:xfrm>
+            <a:off x="3927169" y="2530238"/>
+            <a:ext cx="3711045" cy="3094830"/>
+          </a:xfrm>
+        </p:spPr>
+      </p:pic>
+      <p:pic>
+        <p:nvPicPr>
+          <p:cNvPr id="24" name="Picture 23">
+            <a:extLst>
+              <a:ext uri="{FF2B5EF4-FFF2-40B4-BE49-F238E27FC236}">
+                <a16:creationId xmlns:a16="http://schemas.microsoft.com/office/drawing/2014/main" id="{992F1C09-9E9E-A9EE-8D34-38DEDB7EAE57}"/>
+              </a:ext>
+            </a:extLst>
+          </p:cNvPr>
+          <p:cNvPicPr>
+            <a:picLocks noChangeAspect="1"/>
+          </p:cNvPicPr>
+          <p:nvPr/>
+        </p:nvPicPr>
+        <p:blipFill>
+          <a:blip r:embed="rId3"/>
+          <a:stretch>
+            <a:fillRect/>
+          </a:stretch>
+        </p:blipFill>
+        <p:spPr>
+          <a:xfrm>
+            <a:off x="8069253" y="2505074"/>
+            <a:ext cx="4024927" cy="4352925"/>
+          </a:xfrm>
+          <a:prstGeom prst="rect">
+            <a:avLst/>
+          </a:prstGeom>
+        </p:spPr>
+      </p:pic>
+      <p:pic>
+        <p:nvPicPr>
+          <p:cNvPr id="26" name="Picture 25">
+            <a:extLst>
+              <a:ext uri="{FF2B5EF4-FFF2-40B4-BE49-F238E27FC236}">
+                <a16:creationId xmlns:a16="http://schemas.microsoft.com/office/drawing/2014/main" id="{4A416B3F-9EE9-A7F1-CACD-F57DD7C6491A}"/>
+              </a:ext>
+            </a:extLst>
+          </p:cNvPr>
+          <p:cNvPicPr>
+            <a:picLocks noChangeAspect="1"/>
+          </p:cNvPicPr>
+          <p:nvPr/>
+        </p:nvPicPr>
+        <p:blipFill>
+          <a:blip r:embed="rId4"/>
+          <a:stretch>
+            <a:fillRect/>
+          </a:stretch>
+        </p:blipFill>
+        <p:spPr>
+          <a:xfrm>
+            <a:off x="84389" y="3260087"/>
+            <a:ext cx="3625134" cy="2968988"/>
+          </a:xfrm>
+          <a:prstGeom prst="rect">
+            <a:avLst/>
+          </a:prstGeom>
+        </p:spPr>
+      </p:pic>
+      <p:sp>
+        <p:nvSpPr>
+          <p:cNvPr id="28" name="Title 6">
+            <a:extLst>
+              <a:ext uri="{FF2B5EF4-FFF2-40B4-BE49-F238E27FC236}">
+                <a16:creationId xmlns:a16="http://schemas.microsoft.com/office/drawing/2014/main" id="{145A1227-06F5-5740-1967-662F7BB1303B}"/>
+              </a:ext>
+            </a:extLst>
+          </p:cNvPr>
+          <p:cNvSpPr>
+            <a:spLocks noGrp="1"/>
+          </p:cNvSpPr>
+          <p:nvPr>
+            <p:ph type="title"/>
+          </p:nvPr>
+        </p:nvSpPr>
+        <p:spPr>
+          <a:xfrm>
+            <a:off x="7991" y="394487"/>
+            <a:ext cx="5180013" cy="1325563"/>
+          </a:xfrm>
+        </p:spPr>
+        <p:txBody>
+          <a:bodyPr>
+            <a:normAutofit/>
+          </a:bodyPr>
+          <a:lstStyle/>
+          <a:p>
+            <a:r>
+              <a:rPr lang="en-US" sz="4000" dirty="0">
+                <a:latin typeface="Finador black"/>
+              </a:rPr>
+              <a:t>Raw Data</a:t>
+            </a:r>
+            <a:endParaRPr lang="en-NL" sz="4000" dirty="0">
+              <a:latin typeface="Finador black"/>
+            </a:endParaRPr>
+          </a:p>
+        </p:txBody>
+      </p:sp>
+      <p:sp>
+        <p:nvSpPr>
+          <p:cNvPr id="29" name="Text Placeholder 7">
+            <a:extLst>
+              <a:ext uri="{FF2B5EF4-FFF2-40B4-BE49-F238E27FC236}">
+                <a16:creationId xmlns:a16="http://schemas.microsoft.com/office/drawing/2014/main" id="{4E1463D9-D114-6EF9-8058-F95B4E2FACE0}"/>
+              </a:ext>
+            </a:extLst>
+          </p:cNvPr>
+          <p:cNvSpPr>
+            <a:spLocks noGrp="1"/>
+          </p:cNvSpPr>
+          <p:nvPr>
+            <p:ph type="body" idx="1"/>
+          </p:nvPr>
+        </p:nvSpPr>
+        <p:spPr>
+          <a:xfrm>
+            <a:off x="4815" y="1489808"/>
+            <a:ext cx="5157787" cy="823912"/>
+          </a:xfrm>
+        </p:spPr>
+        <p:txBody>
+          <a:bodyPr>
+            <a:normAutofit lnSpcReduction="10000"/>
+          </a:bodyPr>
+          <a:lstStyle/>
+          <a:p>
+            <a:r>
+              <a:rPr lang="en-US" dirty="0">
+                <a:latin typeface="Finador black"/>
+              </a:rPr>
+              <a:t>Data from WhatsApp </a:t>
+            </a:r>
+          </a:p>
+          <a:p>
+            <a:r>
+              <a:rPr lang="en-US" dirty="0">
+                <a:latin typeface="Finador black"/>
+              </a:rPr>
+              <a:t>chat export</a:t>
+            </a:r>
+            <a:endParaRPr lang="en-NL" dirty="0">
+              <a:latin typeface="Finador black"/>
+            </a:endParaRPr>
+          </a:p>
+        </p:txBody>
+      </p:sp>
+      <p:sp>
+        <p:nvSpPr>
+          <p:cNvPr id="30" name="Title 6">
+            <a:extLst>
+              <a:ext uri="{FF2B5EF4-FFF2-40B4-BE49-F238E27FC236}">
+                <a16:creationId xmlns:a16="http://schemas.microsoft.com/office/drawing/2014/main" id="{8220C4BA-550B-D569-C468-576A7C3489A0}"/>
+              </a:ext>
+            </a:extLst>
+          </p:cNvPr>
+          <p:cNvSpPr txBox="1">
+            <a:spLocks/>
+          </p:cNvSpPr>
+          <p:nvPr/>
+        </p:nvSpPr>
+        <p:spPr>
+          <a:xfrm>
+            <a:off x="3712699" y="394487"/>
+            <a:ext cx="5180013" cy="1325563"/>
+          </a:xfrm>
+          <a:prstGeom prst="rect">
+            <a:avLst/>
+          </a:prstGeom>
+        </p:spPr>
+        <p:txBody>
+          <a:bodyPr vert="horz" lIns="91440" tIns="45720" rIns="91440" bIns="45720" rtlCol="0" anchor="ctr">
+            <a:normAutofit/>
+          </a:bodyPr>
+          <a:lstStyle>
+            <a:lvl1pPr algn="l" defTabSz="914400" rtl="0" eaLnBrk="1" latinLnBrk="0" hangingPunct="1">
+              <a:lnSpc>
+                <a:spcPct val="90000"/>
+              </a:lnSpc>
+              <a:spcBef>
+                <a:spcPct val="0"/>
+              </a:spcBef>
+              <a:buNone/>
+              <a:defRPr sz="4400" kern="1200">
+                <a:solidFill>
+                  <a:schemeClr val="tx1"/>
+                </a:solidFill>
+                <a:latin typeface="+mj-lt"/>
+                <a:ea typeface="+mj-ea"/>
+                <a:cs typeface="+mj-cs"/>
+              </a:defRPr>
+            </a:lvl1pPr>
+          </a:lstStyle>
+          <a:p>
+            <a:r>
+              <a:rPr lang="en-US" sz="4000" dirty="0">
+                <a:latin typeface="Finador black"/>
+              </a:rPr>
+              <a:t>Local interaction</a:t>
+            </a:r>
+            <a:endParaRPr lang="en-NL" sz="4000" dirty="0">
+              <a:latin typeface="Finador black"/>
+            </a:endParaRPr>
+          </a:p>
+        </p:txBody>
+      </p:sp>
+      <p:sp>
+        <p:nvSpPr>
+          <p:cNvPr id="31" name="Text Placeholder 7">
+            <a:extLst>
+              <a:ext uri="{FF2B5EF4-FFF2-40B4-BE49-F238E27FC236}">
+                <a16:creationId xmlns:a16="http://schemas.microsoft.com/office/drawing/2014/main" id="{132C6F02-7A15-5A6B-461B-E76BD4AF485A}"/>
+              </a:ext>
+            </a:extLst>
+          </p:cNvPr>
+          <p:cNvSpPr txBox="1">
+            <a:spLocks/>
+          </p:cNvSpPr>
+          <p:nvPr/>
+        </p:nvSpPr>
+        <p:spPr>
+          <a:xfrm>
+            <a:off x="3709524" y="1350629"/>
+            <a:ext cx="4673986" cy="1082178"/>
+          </a:xfrm>
+          <a:prstGeom prst="rect">
+            <a:avLst/>
+          </a:prstGeom>
+        </p:spPr>
+        <p:txBody>
+          <a:bodyPr vert="horz" lIns="91440" tIns="45720" rIns="91440" bIns="45720" rtlCol="0" anchor="b">
+            <a:normAutofit/>
+          </a:bodyPr>
+          <a:lstStyle>
+            <a:lvl1pPr marL="0" indent="0" algn="l" defTabSz="914400" rtl="0" eaLnBrk="1" latinLnBrk="0" hangingPunct="1">
+              <a:lnSpc>
+                <a:spcPct val="90000"/>
+              </a:lnSpc>
+              <a:spcBef>
+                <a:spcPts val="1000"/>
+              </a:spcBef>
+              <a:buFont typeface="Arial" panose="020B0604020202020204" pitchFamily="34" charset="0"/>
+              <a:buNone/>
+              <a:defRPr sz="2400" b="1" kern="1200">
+                <a:solidFill>
+                  <a:schemeClr val="tx1"/>
+                </a:solidFill>
+                <a:latin typeface="+mn-lt"/>
+                <a:ea typeface="+mn-ea"/>
+                <a:cs typeface="+mn-cs"/>
+              </a:defRPr>
+            </a:lvl1pPr>
+            <a:lvl2pPr marL="457200" indent="0" algn="l" defTabSz="914400" rtl="0" eaLnBrk="1" latinLnBrk="0" hangingPunct="1">
+              <a:lnSpc>
+                <a:spcPct val="90000"/>
+              </a:lnSpc>
+              <a:spcBef>
+                <a:spcPts val="500"/>
+              </a:spcBef>
+              <a:buFont typeface="Arial" panose="020B0604020202020204" pitchFamily="34" charset="0"/>
+              <a:buNone/>
+              <a:defRPr sz="2000" b="1" kern="1200">
+                <a:solidFill>
+                  <a:schemeClr val="tx1"/>
+                </a:solidFill>
+                <a:latin typeface="+mn-lt"/>
+                <a:ea typeface="+mn-ea"/>
+                <a:cs typeface="+mn-cs"/>
+              </a:defRPr>
+            </a:lvl2pPr>
+            <a:lvl3pPr marL="914400" indent="0" algn="l" defTabSz="914400" rtl="0" eaLnBrk="1" latinLnBrk="0" hangingPunct="1">
+              <a:lnSpc>
+                <a:spcPct val="90000"/>
+              </a:lnSpc>
+              <a:spcBef>
+                <a:spcPts val="500"/>
+              </a:spcBef>
+              <a:buFont typeface="Arial" panose="020B0604020202020204" pitchFamily="34" charset="0"/>
+              <a:buNone/>
+              <a:defRPr sz="1800" b="1" kern="1200">
+                <a:solidFill>
+                  <a:schemeClr val="tx1"/>
+                </a:solidFill>
+                <a:latin typeface="+mn-lt"/>
+                <a:ea typeface="+mn-ea"/>
+                <a:cs typeface="+mn-cs"/>
+              </a:defRPr>
+            </a:lvl3pPr>
+            <a:lvl4pPr marL="1371600" indent="0" algn="l" defTabSz="914400" rtl="0" eaLnBrk="1" latinLnBrk="0" hangingPunct="1">
+              <a:lnSpc>
+                <a:spcPct val="90000"/>
+              </a:lnSpc>
+              <a:spcBef>
+                <a:spcPts val="500"/>
+              </a:spcBef>
+              <a:buFont typeface="Arial" panose="020B0604020202020204" pitchFamily="34" charset="0"/>
+              <a:buNone/>
+              <a:defRPr sz="1600" b="1" kern="1200">
+                <a:solidFill>
+                  <a:schemeClr val="tx1"/>
+                </a:solidFill>
+                <a:latin typeface="+mn-lt"/>
+                <a:ea typeface="+mn-ea"/>
+                <a:cs typeface="+mn-cs"/>
+              </a:defRPr>
+            </a:lvl4pPr>
+            <a:lvl5pPr marL="1828800" indent="0" algn="l" defTabSz="914400" rtl="0" eaLnBrk="1" latinLnBrk="0" hangingPunct="1">
+              <a:lnSpc>
+                <a:spcPct val="90000"/>
+              </a:lnSpc>
+              <a:spcBef>
+                <a:spcPts val="500"/>
+              </a:spcBef>
+              <a:buFont typeface="Arial" panose="020B0604020202020204" pitchFamily="34" charset="0"/>
+              <a:buNone/>
+              <a:defRPr sz="1600" b="1" kern="1200">
+                <a:solidFill>
+                  <a:schemeClr val="tx1"/>
+                </a:solidFill>
+                <a:latin typeface="+mn-lt"/>
+                <a:ea typeface="+mn-ea"/>
+                <a:cs typeface="+mn-cs"/>
+              </a:defRPr>
+            </a:lvl5pPr>
+            <a:lvl6pPr marL="2286000" indent="0" algn="l" defTabSz="914400" rtl="0" eaLnBrk="1" latinLnBrk="0" hangingPunct="1">
+              <a:lnSpc>
+                <a:spcPct val="90000"/>
+              </a:lnSpc>
+              <a:spcBef>
+                <a:spcPts val="500"/>
+              </a:spcBef>
+              <a:buFont typeface="Arial" panose="020B0604020202020204" pitchFamily="34" charset="0"/>
+              <a:buNone/>
+              <a:defRPr sz="1600" b="1" kern="1200">
+                <a:solidFill>
+                  <a:schemeClr val="tx1"/>
+                </a:solidFill>
+                <a:latin typeface="+mn-lt"/>
+                <a:ea typeface="+mn-ea"/>
+                <a:cs typeface="+mn-cs"/>
+              </a:defRPr>
+            </a:lvl6pPr>
+            <a:lvl7pPr marL="2743200" indent="0" algn="l" defTabSz="914400" rtl="0" eaLnBrk="1" latinLnBrk="0" hangingPunct="1">
+              <a:lnSpc>
+                <a:spcPct val="90000"/>
+              </a:lnSpc>
+              <a:spcBef>
+                <a:spcPts val="500"/>
+              </a:spcBef>
+              <a:buFont typeface="Arial" panose="020B0604020202020204" pitchFamily="34" charset="0"/>
+              <a:buNone/>
+              <a:defRPr sz="1600" b="1" kern="1200">
+                <a:solidFill>
+                  <a:schemeClr val="tx1"/>
+                </a:solidFill>
+                <a:latin typeface="+mn-lt"/>
+                <a:ea typeface="+mn-ea"/>
+                <a:cs typeface="+mn-cs"/>
+              </a:defRPr>
+            </a:lvl7pPr>
+            <a:lvl8pPr marL="3200400" indent="0" algn="l" defTabSz="914400" rtl="0" eaLnBrk="1" latinLnBrk="0" hangingPunct="1">
+              <a:lnSpc>
+                <a:spcPct val="90000"/>
+              </a:lnSpc>
+              <a:spcBef>
+                <a:spcPts val="500"/>
+              </a:spcBef>
+              <a:buFont typeface="Arial" panose="020B0604020202020204" pitchFamily="34" charset="0"/>
+              <a:buNone/>
+              <a:defRPr sz="1600" b="1" kern="1200">
+                <a:solidFill>
+                  <a:schemeClr val="tx1"/>
+                </a:solidFill>
+                <a:latin typeface="+mn-lt"/>
+                <a:ea typeface="+mn-ea"/>
+                <a:cs typeface="+mn-cs"/>
+              </a:defRPr>
+            </a:lvl8pPr>
+            <a:lvl9pPr marL="3657600" indent="0" algn="l" defTabSz="914400" rtl="0" eaLnBrk="1" latinLnBrk="0" hangingPunct="1">
+              <a:lnSpc>
+                <a:spcPct val="90000"/>
+              </a:lnSpc>
+              <a:spcBef>
+                <a:spcPts val="500"/>
+              </a:spcBef>
+              <a:buFont typeface="Arial" panose="020B0604020202020204" pitchFamily="34" charset="0"/>
+              <a:buNone/>
+              <a:defRPr sz="1600" b="1" kern="1200">
+                <a:solidFill>
+                  <a:schemeClr val="tx1"/>
+                </a:solidFill>
+                <a:latin typeface="+mn-lt"/>
+                <a:ea typeface="+mn-ea"/>
+                <a:cs typeface="+mn-cs"/>
+              </a:defRPr>
+            </a:lvl9pPr>
+          </a:lstStyle>
+          <a:p>
+            <a:r>
+              <a:rPr lang="en-US" dirty="0">
+                <a:latin typeface="Finador black"/>
+              </a:rPr>
+              <a:t>The names in chat are locally extracted and presented. The participant selects their own name</a:t>
+            </a:r>
+            <a:endParaRPr lang="en-NL" dirty="0">
+              <a:latin typeface="Finador black"/>
+            </a:endParaRPr>
+          </a:p>
+        </p:txBody>
+      </p:sp>
+      <p:sp>
+        <p:nvSpPr>
+          <p:cNvPr id="32" name="Title 6">
+            <a:extLst>
+              <a:ext uri="{FF2B5EF4-FFF2-40B4-BE49-F238E27FC236}">
+                <a16:creationId xmlns:a16="http://schemas.microsoft.com/office/drawing/2014/main" id="{C023253F-0850-0C45-5B9D-220076DCC4B5}"/>
+              </a:ext>
+            </a:extLst>
+          </p:cNvPr>
+          <p:cNvSpPr txBox="1">
+            <a:spLocks/>
+          </p:cNvSpPr>
+          <p:nvPr/>
+        </p:nvSpPr>
+        <p:spPr>
+          <a:xfrm>
+            <a:off x="8279477" y="513575"/>
+            <a:ext cx="5180013" cy="1026020"/>
+          </a:xfrm>
+          <a:prstGeom prst="rect">
+            <a:avLst/>
+          </a:prstGeom>
+        </p:spPr>
+        <p:txBody>
+          <a:bodyPr vert="horz" lIns="91440" tIns="45720" rIns="91440" bIns="45720" rtlCol="0" anchor="ctr">
+            <a:normAutofit/>
+          </a:bodyPr>
+          <a:lstStyle>
+            <a:lvl1pPr algn="l" defTabSz="914400" rtl="0" eaLnBrk="1" latinLnBrk="0" hangingPunct="1">
+              <a:lnSpc>
+                <a:spcPct val="90000"/>
+              </a:lnSpc>
+              <a:spcBef>
+                <a:spcPct val="0"/>
+              </a:spcBef>
+              <a:buNone/>
+              <a:defRPr sz="4400" kern="1200">
+                <a:solidFill>
+                  <a:schemeClr val="tx1"/>
+                </a:solidFill>
+                <a:latin typeface="+mj-lt"/>
+                <a:ea typeface="+mj-ea"/>
+                <a:cs typeface="+mj-cs"/>
+              </a:defRPr>
+            </a:lvl1pPr>
+          </a:lstStyle>
+          <a:p>
+            <a:r>
+              <a:rPr lang="en-US" sz="4000" dirty="0">
+                <a:latin typeface="Finador black"/>
+              </a:rPr>
+              <a:t>Extracted Data</a:t>
+            </a:r>
+          </a:p>
+        </p:txBody>
+      </p:sp>
+      <p:sp>
+        <p:nvSpPr>
+          <p:cNvPr id="33" name="Text Placeholder 7">
+            <a:extLst>
+              <a:ext uri="{FF2B5EF4-FFF2-40B4-BE49-F238E27FC236}">
+                <a16:creationId xmlns:a16="http://schemas.microsoft.com/office/drawing/2014/main" id="{0921A6AE-AC7A-8C04-8B4A-5D7C2623BA57}"/>
+              </a:ext>
+            </a:extLst>
+          </p:cNvPr>
+          <p:cNvSpPr txBox="1">
+            <a:spLocks/>
+          </p:cNvSpPr>
+          <p:nvPr/>
+        </p:nvSpPr>
+        <p:spPr>
+          <a:xfrm>
+            <a:off x="8276301" y="1608895"/>
+            <a:ext cx="3915699" cy="823912"/>
+          </a:xfrm>
+          <a:prstGeom prst="rect">
+            <a:avLst/>
+          </a:prstGeom>
+        </p:spPr>
+        <p:txBody>
+          <a:bodyPr vert="horz" lIns="91440" tIns="45720" rIns="91440" bIns="45720" rtlCol="0" anchor="b">
+            <a:normAutofit fontScale="92500"/>
+          </a:bodyPr>
+          <a:lstStyle>
+            <a:lvl1pPr marL="0" indent="0" algn="l" defTabSz="914400" rtl="0" eaLnBrk="1" latinLnBrk="0" hangingPunct="1">
+              <a:lnSpc>
+                <a:spcPct val="90000"/>
+              </a:lnSpc>
+              <a:spcBef>
+                <a:spcPts val="1000"/>
+              </a:spcBef>
+              <a:buFont typeface="Arial" panose="020B0604020202020204" pitchFamily="34" charset="0"/>
+              <a:buNone/>
+              <a:defRPr sz="2400" b="1" kern="1200">
+                <a:solidFill>
+                  <a:schemeClr val="tx1"/>
+                </a:solidFill>
+                <a:latin typeface="+mn-lt"/>
+                <a:ea typeface="+mn-ea"/>
+                <a:cs typeface="+mn-cs"/>
+              </a:defRPr>
+            </a:lvl1pPr>
+            <a:lvl2pPr marL="457200" indent="0" algn="l" defTabSz="914400" rtl="0" eaLnBrk="1" latinLnBrk="0" hangingPunct="1">
+              <a:lnSpc>
+                <a:spcPct val="90000"/>
+              </a:lnSpc>
+              <a:spcBef>
+                <a:spcPts val="500"/>
+              </a:spcBef>
+              <a:buFont typeface="Arial" panose="020B0604020202020204" pitchFamily="34" charset="0"/>
+              <a:buNone/>
+              <a:defRPr sz="2000" b="1" kern="1200">
+                <a:solidFill>
+                  <a:schemeClr val="tx1"/>
+                </a:solidFill>
+                <a:latin typeface="+mn-lt"/>
+                <a:ea typeface="+mn-ea"/>
+                <a:cs typeface="+mn-cs"/>
+              </a:defRPr>
+            </a:lvl2pPr>
+            <a:lvl3pPr marL="914400" indent="0" algn="l" defTabSz="914400" rtl="0" eaLnBrk="1" latinLnBrk="0" hangingPunct="1">
+              <a:lnSpc>
+                <a:spcPct val="90000"/>
+              </a:lnSpc>
+              <a:spcBef>
+                <a:spcPts val="500"/>
+              </a:spcBef>
+              <a:buFont typeface="Arial" panose="020B0604020202020204" pitchFamily="34" charset="0"/>
+              <a:buNone/>
+              <a:defRPr sz="1800" b="1" kern="1200">
+                <a:solidFill>
+                  <a:schemeClr val="tx1"/>
+                </a:solidFill>
+                <a:latin typeface="+mn-lt"/>
+                <a:ea typeface="+mn-ea"/>
+                <a:cs typeface="+mn-cs"/>
+              </a:defRPr>
+            </a:lvl3pPr>
+            <a:lvl4pPr marL="1371600" indent="0" algn="l" defTabSz="914400" rtl="0" eaLnBrk="1" latinLnBrk="0" hangingPunct="1">
+              <a:lnSpc>
+                <a:spcPct val="90000"/>
+              </a:lnSpc>
+              <a:spcBef>
+                <a:spcPts val="500"/>
+              </a:spcBef>
+              <a:buFont typeface="Arial" panose="020B0604020202020204" pitchFamily="34" charset="0"/>
+              <a:buNone/>
+              <a:defRPr sz="1600" b="1" kern="1200">
+                <a:solidFill>
+                  <a:schemeClr val="tx1"/>
+                </a:solidFill>
+                <a:latin typeface="+mn-lt"/>
+                <a:ea typeface="+mn-ea"/>
+                <a:cs typeface="+mn-cs"/>
+              </a:defRPr>
+            </a:lvl4pPr>
+            <a:lvl5pPr marL="1828800" indent="0" algn="l" defTabSz="914400" rtl="0" eaLnBrk="1" latinLnBrk="0" hangingPunct="1">
+              <a:lnSpc>
+                <a:spcPct val="90000"/>
+              </a:lnSpc>
+              <a:spcBef>
+                <a:spcPts val="500"/>
+              </a:spcBef>
+              <a:buFont typeface="Arial" panose="020B0604020202020204" pitchFamily="34" charset="0"/>
+              <a:buNone/>
+              <a:defRPr sz="1600" b="1" kern="1200">
+                <a:solidFill>
+                  <a:schemeClr val="tx1"/>
+                </a:solidFill>
+                <a:latin typeface="+mn-lt"/>
+                <a:ea typeface="+mn-ea"/>
+                <a:cs typeface="+mn-cs"/>
+              </a:defRPr>
+            </a:lvl5pPr>
+            <a:lvl6pPr marL="2286000" indent="0" algn="l" defTabSz="914400" rtl="0" eaLnBrk="1" latinLnBrk="0" hangingPunct="1">
+              <a:lnSpc>
+                <a:spcPct val="90000"/>
+              </a:lnSpc>
+              <a:spcBef>
+                <a:spcPts val="500"/>
+              </a:spcBef>
+              <a:buFont typeface="Arial" panose="020B0604020202020204" pitchFamily="34" charset="0"/>
+              <a:buNone/>
+              <a:defRPr sz="1600" b="1" kern="1200">
+                <a:solidFill>
+                  <a:schemeClr val="tx1"/>
+                </a:solidFill>
+                <a:latin typeface="+mn-lt"/>
+                <a:ea typeface="+mn-ea"/>
+                <a:cs typeface="+mn-cs"/>
+              </a:defRPr>
+            </a:lvl6pPr>
+            <a:lvl7pPr marL="2743200" indent="0" algn="l" defTabSz="914400" rtl="0" eaLnBrk="1" latinLnBrk="0" hangingPunct="1">
+              <a:lnSpc>
+                <a:spcPct val="90000"/>
+              </a:lnSpc>
+              <a:spcBef>
+                <a:spcPts val="500"/>
+              </a:spcBef>
+              <a:buFont typeface="Arial" panose="020B0604020202020204" pitchFamily="34" charset="0"/>
+              <a:buNone/>
+              <a:defRPr sz="1600" b="1" kern="1200">
+                <a:solidFill>
+                  <a:schemeClr val="tx1"/>
+                </a:solidFill>
+                <a:latin typeface="+mn-lt"/>
+                <a:ea typeface="+mn-ea"/>
+                <a:cs typeface="+mn-cs"/>
+              </a:defRPr>
+            </a:lvl7pPr>
+            <a:lvl8pPr marL="3200400" indent="0" algn="l" defTabSz="914400" rtl="0" eaLnBrk="1" latinLnBrk="0" hangingPunct="1">
+              <a:lnSpc>
+                <a:spcPct val="90000"/>
+              </a:lnSpc>
+              <a:spcBef>
+                <a:spcPts val="500"/>
+              </a:spcBef>
+              <a:buFont typeface="Arial" panose="020B0604020202020204" pitchFamily="34" charset="0"/>
+              <a:buNone/>
+              <a:defRPr sz="1600" b="1" kern="1200">
+                <a:solidFill>
+                  <a:schemeClr val="tx1"/>
+                </a:solidFill>
+                <a:latin typeface="+mn-lt"/>
+                <a:ea typeface="+mn-ea"/>
+                <a:cs typeface="+mn-cs"/>
+              </a:defRPr>
+            </a:lvl8pPr>
+            <a:lvl9pPr marL="3657600" indent="0" algn="l" defTabSz="914400" rtl="0" eaLnBrk="1" latinLnBrk="0" hangingPunct="1">
+              <a:lnSpc>
+                <a:spcPct val="90000"/>
+              </a:lnSpc>
+              <a:spcBef>
+                <a:spcPts val="500"/>
+              </a:spcBef>
+              <a:buFont typeface="Arial" panose="020B0604020202020204" pitchFamily="34" charset="0"/>
+              <a:buNone/>
+              <a:defRPr sz="1600" b="1" kern="1200">
+                <a:solidFill>
+                  <a:schemeClr val="tx1"/>
+                </a:solidFill>
+                <a:latin typeface="+mn-lt"/>
+                <a:ea typeface="+mn-ea"/>
+                <a:cs typeface="+mn-cs"/>
+              </a:defRPr>
+            </a:lvl9pPr>
+          </a:lstStyle>
+          <a:p>
+            <a:r>
+              <a:rPr lang="en-US" dirty="0">
+                <a:latin typeface="Finador black"/>
+              </a:rPr>
+              <a:t>Now only the participant is identified in the extracted data</a:t>
+            </a:r>
+            <a:endParaRPr lang="en-NL" dirty="0">
+              <a:latin typeface="Finador black"/>
+            </a:endParaRPr>
+          </a:p>
+        </p:txBody>
+      </p:sp>
+    </p:spTree>
+    <p:extLst>
+      <p:ext uri="{BB962C8B-B14F-4D97-AF65-F5344CB8AC3E}">
+        <p14:creationId xmlns:p14="http://schemas.microsoft.com/office/powerpoint/2010/main" val="1111249819"/>
       </p:ext>
     </p:extLst>
   </p:cSld>
